--- a/Deliverable4/Rock_Stars_Final_Presentation.pptx
+++ b/Deliverable4/Rock_Stars_Final_Presentation.pptx
@@ -34,14 +34,14 @@
   <p:notesSz cx="6858000" cy="9144000"/>
   <p:embeddedFontLst>
     <p:embeddedFont>
-      <p:font typeface="Calibri" panose="020F0502020204030204" pitchFamily="34" charset="0"/>
+      <p:font typeface="Roboto" panose="020B0604020202020204" charset="0"/>
       <p:regular r:id="rId24"/>
       <p:bold r:id="rId25"/>
       <p:italic r:id="rId26"/>
       <p:boldItalic r:id="rId27"/>
     </p:embeddedFont>
     <p:embeddedFont>
-      <p:font typeface="Roboto" panose="020B0604020202020204" charset="0"/>
+      <p:font typeface="Calibri" panose="020F0502020204030204" pitchFamily="34" charset="0"/>
       <p:regular r:id="rId28"/>
       <p:bold r:id="rId29"/>
       <p:italic r:id="rId30"/>
@@ -19371,7 +19371,7 @@
               <a:buSzPct val="25000"/>
             </a:pPr>
             <a:r>
-              <a:rPr lang="en-US" sz="1400" b="1" dirty="0" smtClean="0">
+              <a:rPr lang="en-US" sz="1600" b="1" dirty="0" smtClean="0">
                 <a:solidFill>
                   <a:schemeClr val="bg2">
                     <a:lumMod val="60000"/>
@@ -19382,7 +19382,7 @@
               <a:t>John </a:t>
             </a:r>
             <a:r>
-              <a:rPr lang="en-US" sz="1400" b="1" dirty="0">
+              <a:rPr lang="en-US" sz="1600" b="1" dirty="0">
                 <a:solidFill>
                   <a:schemeClr val="bg2">
                     <a:lumMod val="60000"/>
@@ -19393,7 +19393,7 @@
               <a:t>Gadbois, Technical Lead and Front End </a:t>
             </a:r>
             <a:r>
-              <a:rPr lang="en-US" sz="1400" b="1" dirty="0" smtClean="0">
+              <a:rPr lang="en-US" sz="1600" b="1" dirty="0" smtClean="0">
                 <a:solidFill>
                   <a:schemeClr val="bg2">
                     <a:lumMod val="60000"/>
@@ -19403,17 +19403,6 @@
               </a:rPr>
               <a:t>Expert</a:t>
             </a:r>
-          </a:p>
-          <a:p>
-            <a:pPr>
-              <a:spcBef>
-                <a:spcPts val="1080"/>
-              </a:spcBef>
-              <a:spcAft>
-                <a:spcPts val="0"/>
-              </a:spcAft>
-              <a:buSzPct val="25000"/>
-            </a:pPr>
             <a:r>
               <a:rPr lang="en-US" sz="1400" dirty="0"/>
               <a:t/>
@@ -19757,7 +19746,7 @@
         <p:spPr>
           <a:xfrm>
             <a:off x="4572000" y="3562031"/>
-            <a:ext cx="4572000" cy="3311163"/>
+            <a:ext cx="4572000" cy="2849498"/>
           </a:xfrm>
           <a:prstGeom prst="rect">
             <a:avLst/>
@@ -19791,8 +19780,6 @@
               </a:rPr>
               <a:t>Notification</a:t>
             </a:r>
-          </a:p>
-          <a:p>
             <a:endParaRPr lang="en-US" dirty="0">
               <a:solidFill>
                 <a:schemeClr val="bg2">
@@ -19804,13 +19791,22 @@
           </a:p>
           <a:p>
             <a:r>
-              <a:rPr lang="en-US" sz="1600" dirty="0">
+              <a:rPr lang="en-US" sz="1600" dirty="0" smtClean="0">
                 <a:solidFill>
                   <a:schemeClr val="bg1"/>
                 </a:solidFill>
                 <a:latin typeface="Calibri" panose="020F0502020204030204" pitchFamily="34" charset="0"/>
               </a:rPr>
-              <a:t>Strongly related to the health industry, Eddie  is </a:t>
+              <a:t>Eddie  </a:t>
+            </a:r>
+            <a:r>
+              <a:rPr lang="en-US" sz="1600" dirty="0">
+                <a:solidFill>
+                  <a:schemeClr val="bg1"/>
+                </a:solidFill>
+                <a:latin typeface="Calibri" panose="020F0502020204030204" pitchFamily="34" charset="0"/>
+              </a:rPr>
+              <a:t>is </a:t>
             </a:r>
             <a:r>
               <a:rPr lang="en-US" sz="1600" dirty="0" smtClean="0">
@@ -19948,7 +19944,7 @@
           <a:lstStyle/>
           <a:p>
             <a:r>
-              <a:rPr lang="en-US" sz="2000" b="1" dirty="0" smtClean="0">
+              <a:rPr lang="en-US" sz="1600" b="1" dirty="0" smtClean="0">
                 <a:solidFill>
                   <a:schemeClr val="bg2">
                     <a:lumMod val="60000"/>
@@ -19959,7 +19955,7 @@
               <a:t>Forrest </a:t>
             </a:r>
             <a:r>
-              <a:rPr lang="en-US" sz="2000" b="1" dirty="0">
+              <a:rPr lang="en-US" sz="1600" b="1" dirty="0">
                 <a:solidFill>
                   <a:schemeClr val="bg2">
                     <a:lumMod val="60000"/>
@@ -19969,7 +19965,7 @@
               </a:rPr>
               <a:t>Brazeal, System Architect and Back End Expert</a:t>
             </a:r>
-            <a:endParaRPr lang="en-US" sz="2000" dirty="0">
+            <a:endParaRPr lang="en-US" sz="1600" dirty="0">
               <a:solidFill>
                 <a:schemeClr val="bg2">
                   <a:lumMod val="60000"/>
@@ -20548,7 +20544,7 @@
           </a:lstStyle>
           <a:p>
             <a:r>
-              <a:rPr lang="en-US" sz="2000" b="1" dirty="0">
+              <a:rPr lang="en-US" sz="1600" b="1" dirty="0">
                 <a:solidFill>
                   <a:schemeClr val="bg2">
                     <a:lumMod val="60000"/>
@@ -20559,7 +20555,7 @@
               <a:t>Ravi Raina, Documentation Lead and </a:t>
             </a:r>
             <a:r>
-              <a:rPr lang="en-US" sz="2000" b="1" dirty="0" smtClean="0">
+              <a:rPr lang="en-US" sz="1600" b="1" dirty="0" smtClean="0">
                 <a:solidFill>
                   <a:schemeClr val="bg2">
                     <a:lumMod val="60000"/>
@@ -20666,7 +20662,6 @@
               <a:rPr lang="en-US" sz="1800" dirty="0" smtClean="0"/>
               <a:t>Assuming an existing user ( someone already signed up), the following screen shows up. Enter the email address and password</a:t>
             </a:r>
-            <a:endParaRPr lang="en-US" sz="1800" dirty="0" smtClean="0"/>
           </a:p>
         </p:txBody>
       </p:sp>
@@ -20800,10 +20795,10 @@
                   </a:schemeClr>
                 </a:solidFill>
               </a:rPr>
-              <a:t>     Noa </a:t>
+              <a:t>     </a:t>
             </a:r>
             <a:r>
-              <a:rPr lang="en-US" b="1" dirty="0">
+              <a:rPr lang="en-US" sz="1600" b="1" dirty="0" smtClean="0">
                 <a:solidFill>
                   <a:schemeClr val="bg2">
                     <a:lumMod val="60000"/>
@@ -20811,39 +20806,76 @@
                   </a:schemeClr>
                 </a:solidFill>
               </a:rPr>
-              <a:t>Nadler, QA Lead and IC</a:t>
-            </a:r>
-            <a:endParaRPr lang="en-US" dirty="0">
-              <a:solidFill>
-                <a:schemeClr val="bg2">
-                  <a:lumMod val="60000"/>
-                  <a:lumOff val="40000"/>
-                </a:schemeClr>
-              </a:solidFill>
-            </a:endParaRPr>
-          </a:p>
-          <a:p>
-            <a:r>
-              <a:rPr lang="en-US" sz="1800" dirty="0" smtClean="0"/>
-              <a:t>Noa is </a:t>
+              <a:t>Noa </a:t>
             </a:r>
             <a:r>
-              <a:rPr lang="en-US" sz="1800" dirty="0"/>
+              <a:rPr lang="en-US" sz="1600" b="1" dirty="0">
+                <a:solidFill>
+                  <a:schemeClr val="bg2">
+                    <a:lumMod val="60000"/>
+                    <a:lumOff val="40000"/>
+                  </a:schemeClr>
+                </a:solidFill>
+              </a:rPr>
+              <a:t>Nadler, QA Lead and </a:t>
+            </a:r>
+            <a:r>
+              <a:rPr lang="en-US" sz="1600" b="1" dirty="0" smtClean="0">
+                <a:solidFill>
+                  <a:schemeClr val="bg2">
+                    <a:lumMod val="60000"/>
+                    <a:lumOff val="40000"/>
+                  </a:schemeClr>
+                </a:solidFill>
+              </a:rPr>
+              <a:t>IC</a:t>
+            </a:r>
+            <a:r>
+              <a:rPr lang="en-US" sz="1600" dirty="0">
+                <a:solidFill>
+                  <a:schemeClr val="bg2">
+                    <a:lumMod val="60000"/>
+                    <a:lumOff val="40000"/>
+                  </a:schemeClr>
+                </a:solidFill>
+              </a:rPr>
+              <a:t/>
+            </a:r>
+            <a:br>
+              <a:rPr lang="en-US" sz="1600" dirty="0">
+                <a:solidFill>
+                  <a:schemeClr val="bg2">
+                    <a:lumMod val="60000"/>
+                    <a:lumOff val="40000"/>
+                  </a:schemeClr>
+                </a:solidFill>
+              </a:rPr>
+            </a:br>
+            <a:r>
+              <a:rPr lang="en-US" sz="1600" dirty="0" err="1" smtClean="0"/>
+              <a:t>Noa</a:t>
+            </a:r>
+            <a:r>
+              <a:rPr lang="en-US" sz="1600" dirty="0" smtClean="0"/>
+              <a:t> is </a:t>
+            </a:r>
+            <a:r>
+              <a:rPr lang="en-US" sz="1600" dirty="0"/>
               <a:t>part student, part mom and part motorcyclist. Living the bustling city life in San Jose, CA, where being on the street after 7 pm is considered loitering, she enjoys going to bed early, day-time hikes and reading.</a:t>
             </a:r>
             <a:br>
-              <a:rPr lang="en-US" sz="1800" dirty="0"/>
+              <a:rPr lang="en-US" sz="1600" dirty="0"/>
             </a:br>
             <a:r>
-              <a:rPr lang="en-US" sz="1800" dirty="0"/>
+              <a:rPr lang="en-US" sz="1600" dirty="0"/>
               <a:t>Noa was unanimously elected our QA lead, once we finalized the profile for the position as someone who should always tell us we are wrong and is always right, and realized we needed </a:t>
             </a:r>
             <a:r>
-              <a:rPr lang="en-US" sz="1800" dirty="0" err="1"/>
+              <a:rPr lang="en-US" sz="1600" dirty="0" err="1"/>
               <a:t>a..well..girl</a:t>
             </a:r>
             <a:r>
-              <a:rPr lang="en-US" sz="1800" dirty="0"/>
+              <a:rPr lang="en-US" sz="1600" dirty="0"/>
               <a:t>. </a:t>
             </a:r>
           </a:p>
@@ -21204,11 +21236,7 @@
           <a:p>
             <a:r>
               <a:rPr lang="en-US" dirty="0" smtClean="0"/>
-              <a:t>				</a:t>
-            </a:r>
-            <a:r>
-              <a:rPr lang="en-US" dirty="0" smtClean="0"/>
-              <a:t>THE END</a:t>
+              <a:t>				THE END</a:t>
             </a:r>
             <a:endParaRPr lang="en-US" dirty="0"/>
           </a:p>
@@ -21954,11 +21982,7 @@
             </a:r>
             <a:r>
               <a:rPr lang="en-US" dirty="0" smtClean="0"/>
-              <a:t>OVERVIEW </a:t>
-            </a:r>
-            <a:r>
-              <a:rPr lang="en-US" dirty="0" smtClean="0"/>
-              <a:t>– EXECUTIVE SUMMARY</a:t>
+              <a:t>OVERVIEW – EXECUTIVE SUMMARY</a:t>
             </a:r>
             <a:endParaRPr lang="en-US" sz="2400" b="0" i="0" u="none" strike="noStrike" cap="none" dirty="0">
               <a:solidFill>
@@ -22141,11 +22165,7 @@
             </a:r>
             <a:r>
               <a:rPr lang="en-US" dirty="0" smtClean="0"/>
-              <a:t>OVERVIEW </a:t>
-            </a:r>
-            <a:r>
-              <a:rPr lang="en-US" dirty="0" smtClean="0"/>
-              <a:t>– EXECUTIVE SUMMARY</a:t>
+              <a:t>OVERVIEW – EXECUTIVE SUMMARY</a:t>
             </a:r>
             <a:endParaRPr lang="en-US" sz="2400" b="0" i="0" u="none" strike="noStrike" cap="none" dirty="0">
               <a:solidFill>
@@ -22361,8 +22381,21 @@
             </a:r>
             <a:r>
               <a:rPr lang="en-US" dirty="0"/>
-              <a:t>customized travel health recommendations based on a user profile</a:t>
+              <a:t>customized travel health recommendations </a:t>
             </a:r>
+            <a:r>
+              <a:rPr lang="en-US" dirty="0" smtClean="0"/>
+              <a:t>in terms of vaccinations and packing list based </a:t>
+            </a:r>
+            <a:r>
+              <a:rPr lang="en-US" dirty="0"/>
+              <a:t>on </a:t>
+            </a:r>
+            <a:r>
+              <a:rPr lang="en-US" dirty="0" smtClean="0"/>
+              <a:t>the user selection of countries. </a:t>
+            </a:r>
+            <a:endParaRPr lang="en-US" dirty="0"/>
           </a:p>
           <a:p>
             <a:pPr marL="342900" indent="-342900">
@@ -22375,8 +22408,21 @@
             </a:r>
             <a:r>
               <a:rPr lang="en-US" dirty="0"/>
-              <a:t>Provided an email alerting subscription service for travel hazards</a:t>
+              <a:t>Provided an email </a:t>
             </a:r>
+            <a:r>
+              <a:rPr lang="en-US" dirty="0" smtClean="0"/>
+              <a:t>alerts </a:t>
+            </a:r>
+            <a:r>
+              <a:rPr lang="en-US" dirty="0"/>
+              <a:t>subscription service for travel </a:t>
+            </a:r>
+            <a:r>
+              <a:rPr lang="en-US" dirty="0" smtClean="0"/>
+              <a:t>hazards. The service send a daily email aggregating CDC information about health hazards in all countries the user currently has selected. </a:t>
+            </a:r>
+            <a:endParaRPr lang="en-US" dirty="0"/>
           </a:p>
           <a:p>
             <a:pPr marL="342900" indent="-342900">
@@ -22403,8 +22449,27 @@
             </a:r>
             <a:r>
               <a:rPr lang="en-US" dirty="0"/>
-              <a:t>the option to combine travel recommendations for trips involving multiple countries</a:t>
+              <a:t>the option to combine travel recommendations for trips involving multiple </a:t>
             </a:r>
+            <a:r>
+              <a:rPr lang="en-US" dirty="0" smtClean="0"/>
+              <a:t>countries</a:t>
+            </a:r>
+          </a:p>
+          <a:p>
+            <a:pPr marL="342900" indent="-342900">
+              <a:buFont typeface="Arial" panose="020B0604020202020204" pitchFamily="34" charset="0"/>
+              <a:buChar char="•"/>
+            </a:pPr>
+            <a:r>
+              <a:rPr lang="en-US" dirty="0" smtClean="0"/>
+              <a:t>Please see our design documents for </a:t>
+            </a:r>
+            <a:r>
+              <a:rPr lang="en-US" smtClean="0"/>
+              <a:t>further information.</a:t>
+            </a:r>
+            <a:endParaRPr lang="en-US" dirty="0"/>
           </a:p>
           <a:p>
             <a:r>

--- a/Deliverable4/Rock_Stars_Final_Presentation.pptx
+++ b/Deliverable4/Rock_Stars_Final_Presentation.pptx
@@ -32,22 +32,6 @@
   </p:sldIdLst>
   <p:sldSz cx="9144000" cy="6858000" type="screen4x3"/>
   <p:notesSz cx="6858000" cy="9144000"/>
-  <p:embeddedFontLst>
-    <p:embeddedFont>
-      <p:font typeface="Roboto" panose="020B0604020202020204" charset="0"/>
-      <p:regular r:id="rId24"/>
-      <p:bold r:id="rId25"/>
-      <p:italic r:id="rId26"/>
-      <p:boldItalic r:id="rId27"/>
-    </p:embeddedFont>
-    <p:embeddedFont>
-      <p:font typeface="Calibri" panose="020F0502020204030204" pitchFamily="34" charset="0"/>
-      <p:regular r:id="rId28"/>
-      <p:bold r:id="rId29"/>
-      <p:italic r:id="rId30"/>
-      <p:boldItalic r:id="rId31"/>
-    </p:embeddedFont>
-  </p:embeddedFontLst>
   <p:defaultTextStyle>
     <a:defPPr marR="0" lvl="0" algn="l" rtl="0">
       <a:lnSpc>
@@ -252,7 +236,7 @@
   </p:defaultTextStyle>
   <p:extLst>
     <p:ext uri="{EFAFB233-063F-42B5-8137-9DF3F51BA10A}">
-      <p15:sldGuideLst xmlns:p15="http://schemas.microsoft.com/office/powerpoint/2012/main"/>
+      <p15:sldGuideLst xmlns:p15="http://schemas.microsoft.com/office/powerpoint/2012/main" xmlns=""/>
     </p:ext>
   </p:extLst>
 </p:presentation>
@@ -18825,13 +18809,13 @@
   <p:clrMapOvr>
     <a:masterClrMapping/>
   </p:clrMapOvr>
-  <p:transition spd="slow">
+  <p:transition xmlns:p14="http://schemas.microsoft.com/office/powerpoint/2010/main" spd="slow">
     <p:cut/>
   </p:transition>
   <p:timing>
     <p:tnLst>
       <p:par>
-        <p:cTn id="1" dur="indefinite" restart="never" nodeType="tmRoot"/>
+        <p:cTn xmlns:p14="http://schemas.microsoft.com/office/powerpoint/2010/main" id="1" dur="indefinite" restart="never" nodeType="tmRoot"/>
       </p:par>
     </p:tnLst>
   </p:timing>
@@ -18944,13 +18928,13 @@
   <p:clrMapOvr>
     <a:masterClrMapping/>
   </p:clrMapOvr>
-  <p:transition spd="slow">
+  <p:transition xmlns:p14="http://schemas.microsoft.com/office/powerpoint/2010/main" spd="slow">
     <p:cut/>
   </p:transition>
   <p:timing>
     <p:tnLst>
       <p:par>
-        <p:cTn id="1" dur="indefinite" restart="never" nodeType="tmRoot"/>
+        <p:cTn xmlns:p14="http://schemas.microsoft.com/office/powerpoint/2010/main" id="1" dur="indefinite" restart="never" nodeType="tmRoot"/>
       </p:par>
     </p:tnLst>
   </p:timing>
@@ -19302,13 +19286,13 @@
   <p:clrMapOvr>
     <a:masterClrMapping/>
   </p:clrMapOvr>
-  <p:transition spd="slow">
+  <p:transition xmlns:p14="http://schemas.microsoft.com/office/powerpoint/2010/main" spd="slow">
     <p:cut/>
   </p:transition>
   <p:timing>
     <p:tnLst>
       <p:par>
-        <p:cTn id="1" dur="indefinite" restart="never" nodeType="tmRoot"/>
+        <p:cTn xmlns:p14="http://schemas.microsoft.com/office/powerpoint/2010/main" id="1" dur="indefinite" restart="never" nodeType="tmRoot"/>
       </p:par>
     </p:tnLst>
   </p:timing>
@@ -19884,13 +19868,13 @@
   <p:clrMapOvr>
     <a:masterClrMapping/>
   </p:clrMapOvr>
-  <p:transition spd="slow">
+  <p:transition xmlns:p14="http://schemas.microsoft.com/office/powerpoint/2010/main" spd="slow">
     <p:cut/>
   </p:transition>
   <p:timing>
     <p:tnLst>
       <p:par>
-        <p:cTn id="1" dur="indefinite" restart="never" nodeType="tmRoot"/>
+        <p:cTn xmlns:p14="http://schemas.microsoft.com/office/powerpoint/2010/main" id="1" dur="indefinite" restart="never" nodeType="tmRoot"/>
       </p:par>
     </p:tnLst>
   </p:timing>
@@ -20705,13 +20689,13 @@
   <p:clrMapOvr>
     <a:masterClrMapping/>
   </p:clrMapOvr>
-  <p:transition spd="slow">
+  <p:transition xmlns:p14="http://schemas.microsoft.com/office/powerpoint/2010/main" spd="slow">
     <p:cut/>
   </p:transition>
   <p:timing>
     <p:tnLst>
       <p:par>
-        <p:cTn id="1" dur="indefinite" restart="never" nodeType="tmRoot"/>
+        <p:cTn xmlns:p14="http://schemas.microsoft.com/office/powerpoint/2010/main" id="1" dur="indefinite" restart="never" nodeType="tmRoot"/>
       </p:par>
     </p:tnLst>
   </p:timing>
@@ -21184,13 +21168,13 @@
   <p:clrMapOvr>
     <a:masterClrMapping/>
   </p:clrMapOvr>
-  <p:transition spd="slow">
+  <p:transition xmlns:p14="http://schemas.microsoft.com/office/powerpoint/2010/main" spd="slow">
     <p:cut/>
   </p:transition>
   <p:timing>
     <p:tnLst>
       <p:par>
-        <p:cTn id="1" dur="indefinite" restart="never" nodeType="tmRoot"/>
+        <p:cTn xmlns:p14="http://schemas.microsoft.com/office/powerpoint/2010/main" id="1" dur="indefinite" restart="never" nodeType="tmRoot"/>
       </p:par>
     </p:tnLst>
   </p:timing>
@@ -21822,13 +21806,13 @@
   <p:clrMapOvr>
     <a:masterClrMapping/>
   </p:clrMapOvr>
-  <p:transition spd="slow">
+  <p:transition xmlns:p14="http://schemas.microsoft.com/office/powerpoint/2010/main" spd="slow">
     <p:cut/>
   </p:transition>
   <p:timing>
     <p:tnLst>
       <p:par>
-        <p:cTn id="1" dur="indefinite" restart="never" nodeType="tmRoot"/>
+        <p:cTn xmlns:p14="http://schemas.microsoft.com/office/powerpoint/2010/main" id="1" dur="indefinite" restart="never" nodeType="tmRoot"/>
       </p:par>
     </p:tnLst>
   </p:timing>
@@ -22001,13 +21985,13 @@
   <p:clrMapOvr>
     <a:masterClrMapping/>
   </p:clrMapOvr>
-  <p:transition spd="slow">
+  <p:transition xmlns:p14="http://schemas.microsoft.com/office/powerpoint/2010/main" spd="slow">
     <p:cut/>
   </p:transition>
   <p:timing>
     <p:tnLst>
       <p:par>
-        <p:cTn id="1" dur="indefinite" restart="never" nodeType="tmRoot"/>
+        <p:cTn xmlns:p14="http://schemas.microsoft.com/office/powerpoint/2010/main" id="1" dur="indefinite" restart="never" nodeType="tmRoot"/>
       </p:par>
     </p:tnLst>
   </p:timing>
@@ -22189,13 +22173,13 @@
   <p:clrMapOvr>
     <a:masterClrMapping/>
   </p:clrMapOvr>
-  <p:transition spd="slow">
+  <p:transition xmlns:p14="http://schemas.microsoft.com/office/powerpoint/2010/main" spd="slow">
     <p:cut/>
   </p:transition>
   <p:timing>
     <p:tnLst>
       <p:par>
-        <p:cTn id="1" dur="indefinite" restart="never" nodeType="tmRoot"/>
+        <p:cTn xmlns:p14="http://schemas.microsoft.com/office/powerpoint/2010/main" id="1" dur="indefinite" restart="never" nodeType="tmRoot"/>
       </p:par>
     </p:tnLst>
   </p:timing>
@@ -22301,13 +22285,13 @@
   <p:clrMapOvr>
     <a:masterClrMapping/>
   </p:clrMapOvr>
-  <p:transition spd="slow" advTm="34069">
+  <p:transition xmlns:p14="http://schemas.microsoft.com/office/powerpoint/2010/main" spd="slow" advTm="34069">
     <p:cut/>
   </p:transition>
   <p:timing>
     <p:tnLst>
       <p:par>
-        <p:cTn id="1" dur="indefinite" restart="never" nodeType="tmRoot"/>
+        <p:cTn xmlns:p14="http://schemas.microsoft.com/office/powerpoint/2010/main" id="1" dur="indefinite" restart="never" nodeType="tmRoot"/>
       </p:par>
     </p:tnLst>
   </p:timing>
@@ -22756,13 +22740,13 @@
   <p:clrMapOvr>
     <a:masterClrMapping/>
   </p:clrMapOvr>
-  <p:transition spd="slow">
+  <p:transition xmlns:p14="http://schemas.microsoft.com/office/powerpoint/2010/main" spd="slow">
     <p:cut/>
   </p:transition>
   <p:timing>
     <p:tnLst>
       <p:par>
-        <p:cTn id="1" dur="indefinite" restart="never" nodeType="tmRoot"/>
+        <p:cTn xmlns:p14="http://schemas.microsoft.com/office/powerpoint/2010/main" id="1" dur="indefinite" restart="never" nodeType="tmRoot"/>
       </p:par>
     </p:tnLst>
   </p:timing>
@@ -23174,13 +23158,13 @@
   <p:clrMapOvr>
     <a:masterClrMapping/>
   </p:clrMapOvr>
-  <p:transition spd="slow">
+  <p:transition xmlns:p14="http://schemas.microsoft.com/office/powerpoint/2010/main" spd="slow">
     <p:cut/>
   </p:transition>
   <p:timing>
     <p:tnLst>
       <p:par>
-        <p:cTn id="1" dur="indefinite" restart="never" nodeType="tmRoot"/>
+        <p:cTn xmlns:p14="http://schemas.microsoft.com/office/powerpoint/2010/main" id="1" dur="indefinite" restart="never" nodeType="tmRoot"/>
       </p:par>
     </p:tnLst>
   </p:timing>
@@ -23652,13 +23636,13 @@
   <p:clrMapOvr>
     <a:masterClrMapping/>
   </p:clrMapOvr>
-  <p:transition spd="slow">
+  <p:transition xmlns:p14="http://schemas.microsoft.com/office/powerpoint/2010/main" spd="slow">
     <p:cut/>
   </p:transition>
   <p:timing>
     <p:tnLst>
       <p:par>
-        <p:cTn id="1" dur="indefinite" restart="never" nodeType="tmRoot"/>
+        <p:cTn xmlns:p14="http://schemas.microsoft.com/office/powerpoint/2010/main" id="1" dur="indefinite" restart="never" nodeType="tmRoot"/>
       </p:par>
     </p:tnLst>
   </p:timing>
@@ -24052,6 +24036,36 @@
           </a:prstGeom>
         </p:spPr>
       </p:pic>
+      <p:pic>
+        <p:nvPicPr>
+          <p:cNvPr id="3" name="Picture 2" descr="00000745.png"/>
+          <p:cNvPicPr>
+            <a:picLocks noChangeAspect="1"/>
+          </p:cNvPicPr>
+          <p:nvPr/>
+        </p:nvPicPr>
+        <p:blipFill>
+          <a:blip r:embed="rId5">
+            <a:extLst>
+              <a:ext uri="{28A0092B-C50C-407E-A947-70E740481C1C}">
+                <a14:useLocalDpi xmlns:a14="http://schemas.microsoft.com/office/drawing/2010/main" val="0"/>
+              </a:ext>
+            </a:extLst>
+          </a:blip>
+          <a:stretch>
+            <a:fillRect/>
+          </a:stretch>
+        </p:blipFill>
+        <p:spPr>
+          <a:xfrm>
+            <a:off x="989654" y="759892"/>
+            <a:ext cx="6457500" cy="4169053"/>
+          </a:xfrm>
+          <a:prstGeom prst="rect">
+            <a:avLst/>
+          </a:prstGeom>
+        </p:spPr>
+      </p:pic>
     </p:spTree>
     <p:extLst>
       <p:ext uri="{BB962C8B-B14F-4D97-AF65-F5344CB8AC3E}">
@@ -24062,13 +24076,13 @@
   <p:clrMapOvr>
     <a:masterClrMapping/>
   </p:clrMapOvr>
-  <p:transition spd="slow">
+  <p:transition xmlns:p14="http://schemas.microsoft.com/office/powerpoint/2010/main" spd="slow">
     <p:cut/>
   </p:transition>
   <p:timing>
     <p:tnLst>
       <p:par>
-        <p:cTn id="1" dur="indefinite" restart="never" nodeType="tmRoot"/>
+        <p:cTn xmlns:p14="http://schemas.microsoft.com/office/powerpoint/2010/main" id="1" dur="indefinite" restart="never" nodeType="tmRoot"/>
       </p:par>
     </p:tnLst>
   </p:timing>

--- a/Deliverable4/Rock_Stars_Final_Presentation.pptx
+++ b/Deliverable4/Rock_Stars_Final_Presentation.pptx
@@ -236,7 +236,7 @@
   </p:defaultTextStyle>
   <p:extLst>
     <p:ext uri="{EFAFB233-063F-42B5-8137-9DF3F51BA10A}">
-      <p15:sldGuideLst xmlns:p15="http://schemas.microsoft.com/office/powerpoint/2012/main" xmlns=""/>
+      <p15:sldGuideLst xmlns="" xmlns:p15="http://schemas.microsoft.com/office/powerpoint/2012/main"/>
     </p:ext>
   </p:extLst>
 </p:presentation>
@@ -18914,7 +18914,34 @@
           <a:bodyPr/>
           <a:lstStyle/>
           <a:p>
+            <a:r>
+              <a:rPr lang="en-US" dirty="0" smtClean="0"/>
+              <a:t>Please enjoy our demo video of Safe Travels at the following link:</a:t>
+            </a:r>
+          </a:p>
+          <a:p>
+            <a:endParaRPr lang="en-US" dirty="0"/>
+          </a:p>
+          <a:p>
+            <a:r>
+              <a:rPr lang="en-US" dirty="0">
+                <a:hlinkClick r:id="rId3"/>
+              </a:rPr>
+              <a:t>https://www.youtube.com/watch?v=</a:t>
+            </a:r>
+            <a:r>
+              <a:rPr lang="en-US" dirty="0" smtClean="0">
+                <a:hlinkClick r:id="rId3"/>
+              </a:rPr>
+              <a:t>SINLe0TnUMc</a:t>
+            </a:r>
+            <a:endParaRPr lang="en-US" dirty="0" smtClean="0"/>
+          </a:p>
+          <a:p>
             <a:endParaRPr lang="en-US"/>
+          </a:p>
+          <a:p>
+            <a:endParaRPr lang="en-US" dirty="0"/>
           </a:p>
         </p:txBody>
       </p:sp>
@@ -22070,16 +22097,6 @@
           </a:p>
           <a:p>
             <a:endParaRPr lang="en-US" dirty="0"/>
-          </a:p>
-          <a:p>
-            <a:r>
-              <a:rPr lang="en-US" dirty="0" smtClean="0"/>
-              <a:t>Did </a:t>
-            </a:r>
-            <a:r>
-              <a:rPr lang="en-US" dirty="0"/>
-              <a:t>we succeed? We will let you be the judge of that.</a:t>
-            </a:r>
           </a:p>
         </p:txBody>
       </p:sp>
@@ -23246,7 +23263,15 @@
             </a:r>
             <a:r>
               <a:rPr lang="en-US" dirty="0"/>
-              <a:t> FHIR server, we were not able to save our Patient and Immunization resources there. </a:t>
+              <a:t> FHIR server, we were not able to </a:t>
+            </a:r>
+            <a:r>
+              <a:rPr lang="en-US" dirty="0" smtClean="0"/>
+              <a:t>persist </a:t>
+            </a:r>
+            <a:r>
+              <a:rPr lang="en-US" dirty="0"/>
+              <a:t>our Patient and Immunization resources there. </a:t>
             </a:r>
           </a:p>
           <a:p>
@@ -23293,62 +23318,9 @@
             <a:endParaRPr lang="en-US" dirty="0"/>
           </a:p>
           <a:p>
-            <a:pPr marL="342900" indent="-342900">
-              <a:buFont typeface="Arial" panose="020B0604020202020204" pitchFamily="34" charset="0"/>
-              <a:buChar char="•"/>
+            <a:pPr marL="311150" lvl="1" indent="0">
+              <a:buNone/>
             </a:pPr>
-            <a:r>
-              <a:rPr lang="en-US" dirty="0" smtClean="0"/>
-              <a:t>Due </a:t>
-            </a:r>
-            <a:r>
-              <a:rPr lang="en-US" dirty="0"/>
-              <a:t>to the limitations of our free </a:t>
-            </a:r>
-            <a:r>
-              <a:rPr lang="en-US" dirty="0" err="1"/>
-              <a:t>Heroku</a:t>
-            </a:r>
-            <a:r>
-              <a:rPr lang="en-US" dirty="0"/>
-              <a:t> account, we did not have enough worker threads to run our scheduler jobs automatically. </a:t>
-            </a:r>
-          </a:p>
-          <a:p>
-            <a:pPr marL="809244" lvl="1" indent="-342900">
-              <a:buFont typeface="Arial" panose="020B0604020202020204" pitchFamily="34" charset="0"/>
-              <a:buChar char="•"/>
-            </a:pPr>
-            <a:r>
-              <a:rPr lang="en-US" dirty="0"/>
-              <a:t>  </a:t>
-            </a:r>
-            <a:r>
-              <a:rPr lang="en-US" dirty="0">
-                <a:solidFill>
-                  <a:schemeClr val="bg2">
-                    <a:lumMod val="60000"/>
-                    <a:lumOff val="40000"/>
-                  </a:schemeClr>
-                </a:solidFill>
-              </a:rPr>
-              <a:t>Workaround: </a:t>
-            </a:r>
-            <a:r>
-              <a:rPr lang="en-US" dirty="0"/>
-              <a:t>we demonstrated a proof of concept by manually allocating threads within the </a:t>
-            </a:r>
-            <a:r>
-              <a:rPr lang="en-US" dirty="0" err="1"/>
-              <a:t>Heroku</a:t>
-            </a:r>
-            <a:r>
-              <a:rPr lang="en-US" dirty="0"/>
-              <a:t> application to run our alerting and notification processes.</a:t>
-            </a:r>
-          </a:p>
-          <a:p>
-            <a:pPr lvl="1"/>
             <a:endParaRPr lang="en-US" dirty="0"/>
           </a:p>
           <a:p>
@@ -23895,8 +23867,24 @@
               <a:t>Go </a:t>
             </a:r>
             <a:r>
+              <a:rPr lang="en-US" sz="1800" b="0" i="0" u="none" strike="noStrike" cap="none" dirty="0" smtClean="0">
+                <a:solidFill>
+                  <a:schemeClr val="lt1"/>
+                </a:solidFill>
+                <a:latin typeface="Calibri"/>
+                <a:ea typeface="Calibri"/>
+                <a:cs typeface="Calibri"/>
+                <a:sym typeface="Calibri"/>
+              </a:rPr>
+              <a:t>to </a:t>
+            </a:r>
+            <a:r>
+              <a:rPr lang="en-US" sz="1800" dirty="0" smtClean="0"/>
+              <a:t>the </a:t>
+            </a:r>
+            <a:r>
               <a:rPr lang="en-US" sz="1800" dirty="0"/>
-              <a:t>the website: </a:t>
+              <a:t>website: </a:t>
             </a:r>
             <a:r>
               <a:rPr lang="en-US" sz="1800" dirty="0">
